--- a/assets/my_papers/2025.icml.poster.36in(H)x60in(W).pptx
+++ b/assets/my_papers/2025.icml.poster.36in(H)x60in(W).pptx
@@ -5,11 +5,10 @@
     <p:sldMasterId id="2147483659" r:id="rId1"/>
   </p:sldMasterIdLst>
   <p:notesMasterIdLst>
-    <p:notesMasterId r:id="rId4"/>
+    <p:notesMasterId r:id="rId3"/>
   </p:notesMasterIdLst>
   <p:sldIdLst>
     <p:sldId id="256" r:id="rId2"/>
-    <p:sldId id="258" r:id="rId3"/>
   </p:sldIdLst>
   <p:sldSz cx="9144000" cy="5486400"/>
   <p:notesSz cx="6858000" cy="9144000"/>
@@ -1188,362 +1187,6 @@
 </file>
 
 <file path=ppt/slideLayouts/slideLayout10.xml><?xml version="1.0" encoding="utf-8"?>
-<p:sldLayout xmlns:a="http://schemas.openxmlformats.org/drawingml/2006/main" xmlns:r="http://schemas.openxmlformats.org/officeDocument/2006/relationships" xmlns:p="http://schemas.openxmlformats.org/presentationml/2006/main" matchingName="Big number">
-  <p:cSld name="BIG_NUMBER">
-    <p:spTree>
-      <p:nvGrpSpPr>
-        <p:cNvPr id="1" name="Shape 44"/>
-        <p:cNvGrpSpPr/>
-        <p:nvPr/>
-      </p:nvGrpSpPr>
-      <p:grpSpPr>
-        <a:xfrm>
-          <a:off x="0" y="0"/>
-          <a:ext cx="0" cy="0"/>
-          <a:chOff x="0" y="0"/>
-          <a:chExt cx="0" cy="0"/>
-        </a:xfrm>
-      </p:grpSpPr>
-      <p:sp>
-        <p:nvSpPr>
-          <p:cNvPr id="45" name="Google Shape;45;p11"/>
-          <p:cNvSpPr txBox="1">
-            <a:spLocks noGrp="1"/>
-          </p:cNvSpPr>
-          <p:nvPr>
-            <p:ph type="title" hasCustomPrompt="1"/>
-          </p:nvPr>
-        </p:nvSpPr>
-        <p:spPr>
-          <a:xfrm>
-            <a:off x="311700" y="1179867"/>
-            <a:ext cx="8521000" cy="2094300"/>
-          </a:xfrm>
-          <a:prstGeom prst="rect">
-            <a:avLst/>
-          </a:prstGeom>
-        </p:spPr>
-        <p:txBody>
-          <a:bodyPr spcFirstLastPara="1" wrap="square" lIns="34550" tIns="34550" rIns="34550" bIns="34550" anchor="b" anchorCtr="0">
-            <a:normAutofit/>
-          </a:bodyPr>
-          <a:lstStyle>
-            <a:lvl1pPr lvl="0" algn="ctr">
-              <a:spcBef>
-                <a:spcPts val="0"/>
-              </a:spcBef>
-              <a:spcAft>
-                <a:spcPts val="0"/>
-              </a:spcAft>
-              <a:buSzPts val="4500"/>
-              <a:buNone/>
-              <a:defRPr sz="6750"/>
-            </a:lvl1pPr>
-            <a:lvl2pPr lvl="1" algn="ctr">
-              <a:spcBef>
-                <a:spcPts val="0"/>
-              </a:spcBef>
-              <a:spcAft>
-                <a:spcPts val="0"/>
-              </a:spcAft>
-              <a:buSzPts val="4500"/>
-              <a:buNone/>
-              <a:defRPr sz="6750"/>
-            </a:lvl2pPr>
-            <a:lvl3pPr lvl="2" algn="ctr">
-              <a:spcBef>
-                <a:spcPts val="0"/>
-              </a:spcBef>
-              <a:spcAft>
-                <a:spcPts val="0"/>
-              </a:spcAft>
-              <a:buSzPts val="4500"/>
-              <a:buNone/>
-              <a:defRPr sz="6750"/>
-            </a:lvl3pPr>
-            <a:lvl4pPr lvl="3" algn="ctr">
-              <a:spcBef>
-                <a:spcPts val="0"/>
-              </a:spcBef>
-              <a:spcAft>
-                <a:spcPts val="0"/>
-              </a:spcAft>
-              <a:buSzPts val="4500"/>
-              <a:buNone/>
-              <a:defRPr sz="6750"/>
-            </a:lvl4pPr>
-            <a:lvl5pPr lvl="4" algn="ctr">
-              <a:spcBef>
-                <a:spcPts val="0"/>
-              </a:spcBef>
-              <a:spcAft>
-                <a:spcPts val="0"/>
-              </a:spcAft>
-              <a:buSzPts val="4500"/>
-              <a:buNone/>
-              <a:defRPr sz="6750"/>
-            </a:lvl5pPr>
-            <a:lvl6pPr lvl="5" algn="ctr">
-              <a:spcBef>
-                <a:spcPts val="0"/>
-              </a:spcBef>
-              <a:spcAft>
-                <a:spcPts val="0"/>
-              </a:spcAft>
-              <a:buSzPts val="4500"/>
-              <a:buNone/>
-              <a:defRPr sz="6750"/>
-            </a:lvl6pPr>
-            <a:lvl7pPr lvl="6" algn="ctr">
-              <a:spcBef>
-                <a:spcPts val="0"/>
-              </a:spcBef>
-              <a:spcAft>
-                <a:spcPts val="0"/>
-              </a:spcAft>
-              <a:buSzPts val="4500"/>
-              <a:buNone/>
-              <a:defRPr sz="6750"/>
-            </a:lvl7pPr>
-            <a:lvl8pPr lvl="7" algn="ctr">
-              <a:spcBef>
-                <a:spcPts val="0"/>
-              </a:spcBef>
-              <a:spcAft>
-                <a:spcPts val="0"/>
-              </a:spcAft>
-              <a:buSzPts val="4500"/>
-              <a:buNone/>
-              <a:defRPr sz="6750"/>
-            </a:lvl8pPr>
-            <a:lvl9pPr lvl="8" algn="ctr">
-              <a:spcBef>
-                <a:spcPts val="0"/>
-              </a:spcBef>
-              <a:spcAft>
-                <a:spcPts val="0"/>
-              </a:spcAft>
-              <a:buSzPts val="4500"/>
-              <a:buNone/>
-              <a:defRPr sz="6750"/>
-            </a:lvl9pPr>
-          </a:lstStyle>
-          <a:p>
-            <a:r>
-              <a:t>xx%</a:t>
-            </a:r>
-          </a:p>
-        </p:txBody>
-      </p:sp>
-      <p:sp>
-        <p:nvSpPr>
-          <p:cNvPr id="46" name="Google Shape;46;p11"/>
-          <p:cNvSpPr txBox="1">
-            <a:spLocks noGrp="1"/>
-          </p:cNvSpPr>
-          <p:nvPr>
-            <p:ph type="body" idx="1"/>
-          </p:nvPr>
-        </p:nvSpPr>
-        <p:spPr>
-          <a:xfrm>
-            <a:off x="311700" y="3362374"/>
-            <a:ext cx="8521000" cy="1387350"/>
-          </a:xfrm>
-          <a:prstGeom prst="rect">
-            <a:avLst/>
-          </a:prstGeom>
-        </p:spPr>
-        <p:txBody>
-          <a:bodyPr spcFirstLastPara="1" wrap="square" lIns="34550" tIns="34550" rIns="34550" bIns="34550" anchor="t" anchorCtr="0">
-            <a:normAutofit/>
-          </a:bodyPr>
-          <a:lstStyle>
-            <a:lvl1pPr marL="685834" lvl="0" indent="-409596" algn="ctr">
-              <a:spcBef>
-                <a:spcPts val="0"/>
-              </a:spcBef>
-              <a:spcAft>
-                <a:spcPts val="0"/>
-              </a:spcAft>
-              <a:buSzPts val="700"/>
-              <a:buChar char="●"/>
-              <a:defRPr/>
-            </a:lvl1pPr>
-            <a:lvl2pPr marL="1371669" lvl="1" indent="-390545" algn="ctr">
-              <a:spcBef>
-                <a:spcPts val="0"/>
-              </a:spcBef>
-              <a:spcAft>
-                <a:spcPts val="0"/>
-              </a:spcAft>
-              <a:buSzPts val="500"/>
-              <a:buChar char="○"/>
-              <a:defRPr/>
-            </a:lvl2pPr>
-            <a:lvl3pPr marL="2057503" lvl="2" indent="-390545" algn="ctr">
-              <a:spcBef>
-                <a:spcPts val="0"/>
-              </a:spcBef>
-              <a:spcAft>
-                <a:spcPts val="0"/>
-              </a:spcAft>
-              <a:buSzPts val="500"/>
-              <a:buChar char="■"/>
-              <a:defRPr/>
-            </a:lvl3pPr>
-            <a:lvl4pPr marL="2743337" lvl="3" indent="-390545" algn="ctr">
-              <a:spcBef>
-                <a:spcPts val="0"/>
-              </a:spcBef>
-              <a:spcAft>
-                <a:spcPts val="0"/>
-              </a:spcAft>
-              <a:buSzPts val="500"/>
-              <a:buChar char="●"/>
-              <a:defRPr/>
-            </a:lvl4pPr>
-            <a:lvl5pPr marL="3429171" lvl="4" indent="-390545" algn="ctr">
-              <a:spcBef>
-                <a:spcPts val="0"/>
-              </a:spcBef>
-              <a:spcAft>
-                <a:spcPts val="0"/>
-              </a:spcAft>
-              <a:buSzPts val="500"/>
-              <a:buChar char="○"/>
-              <a:defRPr/>
-            </a:lvl5pPr>
-            <a:lvl6pPr marL="4115006" lvl="5" indent="-390545" algn="ctr">
-              <a:spcBef>
-                <a:spcPts val="0"/>
-              </a:spcBef>
-              <a:spcAft>
-                <a:spcPts val="0"/>
-              </a:spcAft>
-              <a:buSzPts val="500"/>
-              <a:buChar char="■"/>
-              <a:defRPr/>
-            </a:lvl6pPr>
-            <a:lvl7pPr marL="4800840" lvl="6" indent="-390545" algn="ctr">
-              <a:spcBef>
-                <a:spcPts val="0"/>
-              </a:spcBef>
-              <a:spcAft>
-                <a:spcPts val="0"/>
-              </a:spcAft>
-              <a:buSzPts val="500"/>
-              <a:buChar char="●"/>
-              <a:defRPr/>
-            </a:lvl7pPr>
-            <a:lvl8pPr marL="5486674" lvl="7" indent="-390545" algn="ctr">
-              <a:spcBef>
-                <a:spcPts val="0"/>
-              </a:spcBef>
-              <a:spcAft>
-                <a:spcPts val="0"/>
-              </a:spcAft>
-              <a:buSzPts val="500"/>
-              <a:buChar char="○"/>
-              <a:defRPr/>
-            </a:lvl8pPr>
-            <a:lvl9pPr marL="6172509" lvl="8" indent="-390545" algn="ctr">
-              <a:spcBef>
-                <a:spcPts val="0"/>
-              </a:spcBef>
-              <a:spcAft>
-                <a:spcPts val="0"/>
-              </a:spcAft>
-              <a:buSzPts val="500"/>
-              <a:buChar char="■"/>
-              <a:defRPr/>
-            </a:lvl9pPr>
-          </a:lstStyle>
-          <a:p>
-            <a:endParaRPr/>
-          </a:p>
-        </p:txBody>
-      </p:sp>
-      <p:sp>
-        <p:nvSpPr>
-          <p:cNvPr id="47" name="Google Shape;47;p11"/>
-          <p:cNvSpPr txBox="1">
-            <a:spLocks noGrp="1"/>
-          </p:cNvSpPr>
-          <p:nvPr>
-            <p:ph type="sldNum" idx="12"/>
-          </p:nvPr>
-        </p:nvSpPr>
-        <p:spPr>
-          <a:xfrm>
-            <a:off x="8472457" y="4974098"/>
-            <a:ext cx="549000" cy="419850"/>
-          </a:xfrm>
-          <a:prstGeom prst="rect">
-            <a:avLst/>
-          </a:prstGeom>
-        </p:spPr>
-        <p:txBody>
-          <a:bodyPr spcFirstLastPara="1" wrap="square" lIns="34550" tIns="34550" rIns="34550" bIns="34550" anchor="ctr" anchorCtr="0">
-            <a:normAutofit/>
-          </a:bodyPr>
-          <a:lstStyle>
-            <a:lvl1pPr lvl="0">
-              <a:buNone/>
-              <a:defRPr/>
-            </a:lvl1pPr>
-            <a:lvl2pPr lvl="1">
-              <a:buNone/>
-              <a:defRPr/>
-            </a:lvl2pPr>
-            <a:lvl3pPr lvl="2">
-              <a:buNone/>
-              <a:defRPr/>
-            </a:lvl3pPr>
-            <a:lvl4pPr lvl="3">
-              <a:buNone/>
-              <a:defRPr/>
-            </a:lvl4pPr>
-            <a:lvl5pPr lvl="4">
-              <a:buNone/>
-              <a:defRPr/>
-            </a:lvl5pPr>
-            <a:lvl6pPr lvl="5">
-              <a:buNone/>
-              <a:defRPr/>
-            </a:lvl6pPr>
-            <a:lvl7pPr lvl="6">
-              <a:buNone/>
-              <a:defRPr/>
-            </a:lvl7pPr>
-            <a:lvl8pPr lvl="7">
-              <a:buNone/>
-              <a:defRPr/>
-            </a:lvl8pPr>
-            <a:lvl9pPr lvl="8">
-              <a:buNone/>
-              <a:defRPr/>
-            </a:lvl9pPr>
-          </a:lstStyle>
-          <a:p>
-            <a:fld id="{00000000-1234-1234-1234-123412341234}" type="slidenum">
-              <a:rPr lang="en" smtClean="0"/>
-              <a:pPr/>
-              <a:t>‹#›</a:t>
-            </a:fld>
-            <a:endParaRPr lang="en"/>
-          </a:p>
-        </p:txBody>
-      </p:sp>
-    </p:spTree>
-  </p:cSld>
-  <p:clrMapOvr>
-    <a:masterClrMapping/>
-  </p:clrMapOvr>
-</p:sldLayout>
-</file>
-
-<file path=ppt/slideLayouts/slideLayout11.xml><?xml version="1.0" encoding="utf-8"?>
 <p:sldLayout xmlns:a="http://schemas.openxmlformats.org/drawingml/2006/main" xmlns:r="http://schemas.openxmlformats.org/officeDocument/2006/relationships" xmlns:p="http://schemas.openxmlformats.org/presentationml/2006/main" matchingName="Blank" type="blank">
   <p:cSld name="BLANK">
     <p:spTree>
@@ -1640,231 +1283,6 @@
 </file>
 
 <file path=ppt/slideLayouts/slideLayout2.xml><?xml version="1.0" encoding="utf-8"?>
-<p:sldLayout xmlns:a="http://schemas.openxmlformats.org/drawingml/2006/main" xmlns:r="http://schemas.openxmlformats.org/officeDocument/2006/relationships" xmlns:p="http://schemas.openxmlformats.org/presentationml/2006/main" matchingName="Section header" type="secHead">
-  <p:cSld name="SECTION_HEADER">
-    <p:spTree>
-      <p:nvGrpSpPr>
-        <p:cNvPr id="1" name="Shape 13"/>
-        <p:cNvGrpSpPr/>
-        <p:nvPr/>
-      </p:nvGrpSpPr>
-      <p:grpSpPr>
-        <a:xfrm>
-          <a:off x="0" y="0"/>
-          <a:ext cx="0" cy="0"/>
-          <a:chOff x="0" y="0"/>
-          <a:chExt cx="0" cy="0"/>
-        </a:xfrm>
-      </p:grpSpPr>
-      <p:sp>
-        <p:nvSpPr>
-          <p:cNvPr id="14" name="Google Shape;14;p3"/>
-          <p:cNvSpPr txBox="1">
-            <a:spLocks noGrp="1"/>
-          </p:cNvSpPr>
-          <p:nvPr>
-            <p:ph type="title"/>
-          </p:nvPr>
-        </p:nvSpPr>
-        <p:spPr>
-          <a:xfrm>
-            <a:off x="311700" y="2294240"/>
-            <a:ext cx="8521000" cy="897750"/>
-          </a:xfrm>
-          <a:prstGeom prst="rect">
-            <a:avLst/>
-          </a:prstGeom>
-        </p:spPr>
-        <p:txBody>
-          <a:bodyPr spcFirstLastPara="1" wrap="square" lIns="34550" tIns="34550" rIns="34550" bIns="34550" anchor="ctr" anchorCtr="0">
-            <a:normAutofit/>
-          </a:bodyPr>
-          <a:lstStyle>
-            <a:lvl1pPr lvl="0" algn="ctr">
-              <a:spcBef>
-                <a:spcPts val="0"/>
-              </a:spcBef>
-              <a:spcAft>
-                <a:spcPts val="0"/>
-              </a:spcAft>
-              <a:buSzPts val="1400"/>
-              <a:buNone/>
-              <a:defRPr sz="2100"/>
-            </a:lvl1pPr>
-            <a:lvl2pPr lvl="1" algn="ctr">
-              <a:spcBef>
-                <a:spcPts val="0"/>
-              </a:spcBef>
-              <a:spcAft>
-                <a:spcPts val="0"/>
-              </a:spcAft>
-              <a:buSzPts val="1400"/>
-              <a:buNone/>
-              <a:defRPr sz="2100"/>
-            </a:lvl2pPr>
-            <a:lvl3pPr lvl="2" algn="ctr">
-              <a:spcBef>
-                <a:spcPts val="0"/>
-              </a:spcBef>
-              <a:spcAft>
-                <a:spcPts val="0"/>
-              </a:spcAft>
-              <a:buSzPts val="1400"/>
-              <a:buNone/>
-              <a:defRPr sz="2100"/>
-            </a:lvl3pPr>
-            <a:lvl4pPr lvl="3" algn="ctr">
-              <a:spcBef>
-                <a:spcPts val="0"/>
-              </a:spcBef>
-              <a:spcAft>
-                <a:spcPts val="0"/>
-              </a:spcAft>
-              <a:buSzPts val="1400"/>
-              <a:buNone/>
-              <a:defRPr sz="2100"/>
-            </a:lvl4pPr>
-            <a:lvl5pPr lvl="4" algn="ctr">
-              <a:spcBef>
-                <a:spcPts val="0"/>
-              </a:spcBef>
-              <a:spcAft>
-                <a:spcPts val="0"/>
-              </a:spcAft>
-              <a:buSzPts val="1400"/>
-              <a:buNone/>
-              <a:defRPr sz="2100"/>
-            </a:lvl5pPr>
-            <a:lvl6pPr lvl="5" algn="ctr">
-              <a:spcBef>
-                <a:spcPts val="0"/>
-              </a:spcBef>
-              <a:spcAft>
-                <a:spcPts val="0"/>
-              </a:spcAft>
-              <a:buSzPts val="1400"/>
-              <a:buNone/>
-              <a:defRPr sz="2100"/>
-            </a:lvl6pPr>
-            <a:lvl7pPr lvl="6" algn="ctr">
-              <a:spcBef>
-                <a:spcPts val="0"/>
-              </a:spcBef>
-              <a:spcAft>
-                <a:spcPts val="0"/>
-              </a:spcAft>
-              <a:buSzPts val="1400"/>
-              <a:buNone/>
-              <a:defRPr sz="2100"/>
-            </a:lvl7pPr>
-            <a:lvl8pPr lvl="7" algn="ctr">
-              <a:spcBef>
-                <a:spcPts val="0"/>
-              </a:spcBef>
-              <a:spcAft>
-                <a:spcPts val="0"/>
-              </a:spcAft>
-              <a:buSzPts val="1400"/>
-              <a:buNone/>
-              <a:defRPr sz="2100"/>
-            </a:lvl8pPr>
-            <a:lvl9pPr lvl="8" algn="ctr">
-              <a:spcBef>
-                <a:spcPts val="0"/>
-              </a:spcBef>
-              <a:spcAft>
-                <a:spcPts val="0"/>
-              </a:spcAft>
-              <a:buSzPts val="1400"/>
-              <a:buNone/>
-              <a:defRPr sz="2100"/>
-            </a:lvl9pPr>
-          </a:lstStyle>
-          <a:p>
-            <a:endParaRPr/>
-          </a:p>
-        </p:txBody>
-      </p:sp>
-      <p:sp>
-        <p:nvSpPr>
-          <p:cNvPr id="15" name="Google Shape;15;p3"/>
-          <p:cNvSpPr txBox="1">
-            <a:spLocks noGrp="1"/>
-          </p:cNvSpPr>
-          <p:nvPr>
-            <p:ph type="sldNum" idx="12"/>
-          </p:nvPr>
-        </p:nvSpPr>
-        <p:spPr>
-          <a:xfrm>
-            <a:off x="8472457" y="4974098"/>
-            <a:ext cx="549000" cy="419850"/>
-          </a:xfrm>
-          <a:prstGeom prst="rect">
-            <a:avLst/>
-          </a:prstGeom>
-        </p:spPr>
-        <p:txBody>
-          <a:bodyPr spcFirstLastPara="1" wrap="square" lIns="34550" tIns="34550" rIns="34550" bIns="34550" anchor="ctr" anchorCtr="0">
-            <a:normAutofit/>
-          </a:bodyPr>
-          <a:lstStyle>
-            <a:lvl1pPr lvl="0">
-              <a:buNone/>
-              <a:defRPr/>
-            </a:lvl1pPr>
-            <a:lvl2pPr lvl="1">
-              <a:buNone/>
-              <a:defRPr/>
-            </a:lvl2pPr>
-            <a:lvl3pPr lvl="2">
-              <a:buNone/>
-              <a:defRPr/>
-            </a:lvl3pPr>
-            <a:lvl4pPr lvl="3">
-              <a:buNone/>
-              <a:defRPr/>
-            </a:lvl4pPr>
-            <a:lvl5pPr lvl="4">
-              <a:buNone/>
-              <a:defRPr/>
-            </a:lvl5pPr>
-            <a:lvl6pPr lvl="5">
-              <a:buNone/>
-              <a:defRPr/>
-            </a:lvl6pPr>
-            <a:lvl7pPr lvl="6">
-              <a:buNone/>
-              <a:defRPr/>
-            </a:lvl7pPr>
-            <a:lvl8pPr lvl="7">
-              <a:buNone/>
-              <a:defRPr/>
-            </a:lvl8pPr>
-            <a:lvl9pPr lvl="8">
-              <a:buNone/>
-              <a:defRPr/>
-            </a:lvl9pPr>
-          </a:lstStyle>
-          <a:p>
-            <a:fld id="{00000000-1234-1234-1234-123412341234}" type="slidenum">
-              <a:rPr lang="en" smtClean="0"/>
-              <a:pPr/>
-              <a:t>‹#›</a:t>
-            </a:fld>
-            <a:endParaRPr lang="en"/>
-          </a:p>
-        </p:txBody>
-      </p:sp>
-    </p:spTree>
-  </p:cSld>
-  <p:clrMapOvr>
-    <a:masterClrMapping/>
-  </p:clrMapOvr>
-</p:sldLayout>
-</file>
-
-<file path=ppt/slideLayouts/slideLayout3.xml><?xml version="1.0" encoding="utf-8"?>
 <p:sldLayout xmlns:a="http://schemas.openxmlformats.org/drawingml/2006/main" xmlns:r="http://schemas.openxmlformats.org/officeDocument/2006/relationships" xmlns:p="http://schemas.openxmlformats.org/presentationml/2006/main" matchingName="Title and body" type="tx">
   <p:cSld name="TITLE_AND_BODY">
     <p:spTree>
@@ -2218,7 +1636,7 @@
 </p:sldLayout>
 </file>
 
-<file path=ppt/slideLayouts/slideLayout4.xml><?xml version="1.0" encoding="utf-8"?>
+<file path=ppt/slideLayouts/slideLayout3.xml><?xml version="1.0" encoding="utf-8"?>
 <p:sldLayout xmlns:a="http://schemas.openxmlformats.org/drawingml/2006/main" xmlns:r="http://schemas.openxmlformats.org/officeDocument/2006/relationships" xmlns:p="http://schemas.openxmlformats.org/presentationml/2006/main" matchingName="Title and two columns" type="twoColTx">
   <p:cSld name="TITLE_AND_TWO_COLUMNS">
     <p:spTree>
@@ -2701,7 +2119,7 @@
 </p:sldLayout>
 </file>
 
-<file path=ppt/slideLayouts/slideLayout5.xml><?xml version="1.0" encoding="utf-8"?>
+<file path=ppt/slideLayouts/slideLayout4.xml><?xml version="1.0" encoding="utf-8"?>
 <p:sldLayout xmlns:a="http://schemas.openxmlformats.org/drawingml/2006/main" xmlns:r="http://schemas.openxmlformats.org/officeDocument/2006/relationships" xmlns:p="http://schemas.openxmlformats.org/presentationml/2006/main" matchingName="Title only" type="titleOnly">
   <p:cSld name="TITLE_ONLY">
     <p:spTree>
@@ -2926,7 +2344,7 @@
 </p:sldLayout>
 </file>
 
-<file path=ppt/slideLayouts/slideLayout6.xml><?xml version="1.0" encoding="utf-8"?>
+<file path=ppt/slideLayouts/slideLayout5.xml><?xml version="1.0" encoding="utf-8"?>
 <p:sldLayout xmlns:a="http://schemas.openxmlformats.org/drawingml/2006/main" xmlns:r="http://schemas.openxmlformats.org/officeDocument/2006/relationships" xmlns:p="http://schemas.openxmlformats.org/presentationml/2006/main" matchingName="One column text">
   <p:cSld name="ONE_COLUMN_TEXT">
     <p:spTree>
@@ -3280,7 +2698,7 @@
 </p:sldLayout>
 </file>
 
-<file path=ppt/slideLayouts/slideLayout7.xml><?xml version="1.0" encoding="utf-8"?>
+<file path=ppt/slideLayouts/slideLayout6.xml><?xml version="1.0" encoding="utf-8"?>
 <p:sldLayout xmlns:a="http://schemas.openxmlformats.org/drawingml/2006/main" xmlns:r="http://schemas.openxmlformats.org/officeDocument/2006/relationships" xmlns:p="http://schemas.openxmlformats.org/presentationml/2006/main" matchingName="Main point">
   <p:cSld name="MAIN_POINT">
     <p:spTree>
@@ -3505,7 +2923,7 @@
 </p:sldLayout>
 </file>
 
-<file path=ppt/slideLayouts/slideLayout8.xml><?xml version="1.0" encoding="utf-8"?>
+<file path=ppt/slideLayouts/slideLayout7.xml><?xml version="1.0" encoding="utf-8"?>
 <p:sldLayout xmlns:a="http://schemas.openxmlformats.org/drawingml/2006/main" xmlns:r="http://schemas.openxmlformats.org/officeDocument/2006/relationships" xmlns:p="http://schemas.openxmlformats.org/presentationml/2006/main" matchingName="Section title and description">
   <p:cSld name="SECTION_TITLE_AND_DESCRIPTION">
     <p:spTree>
@@ -4055,7 +3473,7 @@
 </p:sldLayout>
 </file>
 
-<file path=ppt/slideLayouts/slideLayout9.xml><?xml version="1.0" encoding="utf-8"?>
+<file path=ppt/slideLayouts/slideLayout8.xml><?xml version="1.0" encoding="utf-8"?>
 <p:sldLayout xmlns:a="http://schemas.openxmlformats.org/drawingml/2006/main" xmlns:r="http://schemas.openxmlformats.org/officeDocument/2006/relationships" xmlns:p="http://schemas.openxmlformats.org/presentationml/2006/main" matchingName="Caption">
   <p:cSld name="CAPTION_ONLY">
     <p:spTree>
@@ -4119,6 +3537,362 @@
       <p:sp>
         <p:nvSpPr>
           <p:cNvPr id="43" name="Google Shape;43;p10"/>
+          <p:cNvSpPr txBox="1">
+            <a:spLocks noGrp="1"/>
+          </p:cNvSpPr>
+          <p:nvPr>
+            <p:ph type="sldNum" idx="12"/>
+          </p:nvPr>
+        </p:nvSpPr>
+        <p:spPr>
+          <a:xfrm>
+            <a:off x="8472457" y="4974098"/>
+            <a:ext cx="549000" cy="419850"/>
+          </a:xfrm>
+          <a:prstGeom prst="rect">
+            <a:avLst/>
+          </a:prstGeom>
+        </p:spPr>
+        <p:txBody>
+          <a:bodyPr spcFirstLastPara="1" wrap="square" lIns="34550" tIns="34550" rIns="34550" bIns="34550" anchor="ctr" anchorCtr="0">
+            <a:normAutofit/>
+          </a:bodyPr>
+          <a:lstStyle>
+            <a:lvl1pPr lvl="0">
+              <a:buNone/>
+              <a:defRPr/>
+            </a:lvl1pPr>
+            <a:lvl2pPr lvl="1">
+              <a:buNone/>
+              <a:defRPr/>
+            </a:lvl2pPr>
+            <a:lvl3pPr lvl="2">
+              <a:buNone/>
+              <a:defRPr/>
+            </a:lvl3pPr>
+            <a:lvl4pPr lvl="3">
+              <a:buNone/>
+              <a:defRPr/>
+            </a:lvl4pPr>
+            <a:lvl5pPr lvl="4">
+              <a:buNone/>
+              <a:defRPr/>
+            </a:lvl5pPr>
+            <a:lvl6pPr lvl="5">
+              <a:buNone/>
+              <a:defRPr/>
+            </a:lvl6pPr>
+            <a:lvl7pPr lvl="6">
+              <a:buNone/>
+              <a:defRPr/>
+            </a:lvl7pPr>
+            <a:lvl8pPr lvl="7">
+              <a:buNone/>
+              <a:defRPr/>
+            </a:lvl8pPr>
+            <a:lvl9pPr lvl="8">
+              <a:buNone/>
+              <a:defRPr/>
+            </a:lvl9pPr>
+          </a:lstStyle>
+          <a:p>
+            <a:fld id="{00000000-1234-1234-1234-123412341234}" type="slidenum">
+              <a:rPr lang="en" smtClean="0"/>
+              <a:pPr/>
+              <a:t>‹#›</a:t>
+            </a:fld>
+            <a:endParaRPr lang="en"/>
+          </a:p>
+        </p:txBody>
+      </p:sp>
+    </p:spTree>
+  </p:cSld>
+  <p:clrMapOvr>
+    <a:masterClrMapping/>
+  </p:clrMapOvr>
+</p:sldLayout>
+</file>
+
+<file path=ppt/slideLayouts/slideLayout9.xml><?xml version="1.0" encoding="utf-8"?>
+<p:sldLayout xmlns:a="http://schemas.openxmlformats.org/drawingml/2006/main" xmlns:r="http://schemas.openxmlformats.org/officeDocument/2006/relationships" xmlns:p="http://schemas.openxmlformats.org/presentationml/2006/main" matchingName="Big number">
+  <p:cSld name="BIG_NUMBER">
+    <p:spTree>
+      <p:nvGrpSpPr>
+        <p:cNvPr id="1" name="Shape 44"/>
+        <p:cNvGrpSpPr/>
+        <p:nvPr/>
+      </p:nvGrpSpPr>
+      <p:grpSpPr>
+        <a:xfrm>
+          <a:off x="0" y="0"/>
+          <a:ext cx="0" cy="0"/>
+          <a:chOff x="0" y="0"/>
+          <a:chExt cx="0" cy="0"/>
+        </a:xfrm>
+      </p:grpSpPr>
+      <p:sp>
+        <p:nvSpPr>
+          <p:cNvPr id="45" name="Google Shape;45;p11"/>
+          <p:cNvSpPr txBox="1">
+            <a:spLocks noGrp="1"/>
+          </p:cNvSpPr>
+          <p:nvPr>
+            <p:ph type="title" hasCustomPrompt="1"/>
+          </p:nvPr>
+        </p:nvSpPr>
+        <p:spPr>
+          <a:xfrm>
+            <a:off x="311700" y="1179867"/>
+            <a:ext cx="8521000" cy="2094300"/>
+          </a:xfrm>
+          <a:prstGeom prst="rect">
+            <a:avLst/>
+          </a:prstGeom>
+        </p:spPr>
+        <p:txBody>
+          <a:bodyPr spcFirstLastPara="1" wrap="square" lIns="34550" tIns="34550" rIns="34550" bIns="34550" anchor="b" anchorCtr="0">
+            <a:normAutofit/>
+          </a:bodyPr>
+          <a:lstStyle>
+            <a:lvl1pPr lvl="0" algn="ctr">
+              <a:spcBef>
+                <a:spcPts val="0"/>
+              </a:spcBef>
+              <a:spcAft>
+                <a:spcPts val="0"/>
+              </a:spcAft>
+              <a:buSzPts val="4500"/>
+              <a:buNone/>
+              <a:defRPr sz="6750"/>
+            </a:lvl1pPr>
+            <a:lvl2pPr lvl="1" algn="ctr">
+              <a:spcBef>
+                <a:spcPts val="0"/>
+              </a:spcBef>
+              <a:spcAft>
+                <a:spcPts val="0"/>
+              </a:spcAft>
+              <a:buSzPts val="4500"/>
+              <a:buNone/>
+              <a:defRPr sz="6750"/>
+            </a:lvl2pPr>
+            <a:lvl3pPr lvl="2" algn="ctr">
+              <a:spcBef>
+                <a:spcPts val="0"/>
+              </a:spcBef>
+              <a:spcAft>
+                <a:spcPts val="0"/>
+              </a:spcAft>
+              <a:buSzPts val="4500"/>
+              <a:buNone/>
+              <a:defRPr sz="6750"/>
+            </a:lvl3pPr>
+            <a:lvl4pPr lvl="3" algn="ctr">
+              <a:spcBef>
+                <a:spcPts val="0"/>
+              </a:spcBef>
+              <a:spcAft>
+                <a:spcPts val="0"/>
+              </a:spcAft>
+              <a:buSzPts val="4500"/>
+              <a:buNone/>
+              <a:defRPr sz="6750"/>
+            </a:lvl4pPr>
+            <a:lvl5pPr lvl="4" algn="ctr">
+              <a:spcBef>
+                <a:spcPts val="0"/>
+              </a:spcBef>
+              <a:spcAft>
+                <a:spcPts val="0"/>
+              </a:spcAft>
+              <a:buSzPts val="4500"/>
+              <a:buNone/>
+              <a:defRPr sz="6750"/>
+            </a:lvl5pPr>
+            <a:lvl6pPr lvl="5" algn="ctr">
+              <a:spcBef>
+                <a:spcPts val="0"/>
+              </a:spcBef>
+              <a:spcAft>
+                <a:spcPts val="0"/>
+              </a:spcAft>
+              <a:buSzPts val="4500"/>
+              <a:buNone/>
+              <a:defRPr sz="6750"/>
+            </a:lvl6pPr>
+            <a:lvl7pPr lvl="6" algn="ctr">
+              <a:spcBef>
+                <a:spcPts val="0"/>
+              </a:spcBef>
+              <a:spcAft>
+                <a:spcPts val="0"/>
+              </a:spcAft>
+              <a:buSzPts val="4500"/>
+              <a:buNone/>
+              <a:defRPr sz="6750"/>
+            </a:lvl7pPr>
+            <a:lvl8pPr lvl="7" algn="ctr">
+              <a:spcBef>
+                <a:spcPts val="0"/>
+              </a:spcBef>
+              <a:spcAft>
+                <a:spcPts val="0"/>
+              </a:spcAft>
+              <a:buSzPts val="4500"/>
+              <a:buNone/>
+              <a:defRPr sz="6750"/>
+            </a:lvl8pPr>
+            <a:lvl9pPr lvl="8" algn="ctr">
+              <a:spcBef>
+                <a:spcPts val="0"/>
+              </a:spcBef>
+              <a:spcAft>
+                <a:spcPts val="0"/>
+              </a:spcAft>
+              <a:buSzPts val="4500"/>
+              <a:buNone/>
+              <a:defRPr sz="6750"/>
+            </a:lvl9pPr>
+          </a:lstStyle>
+          <a:p>
+            <a:r>
+              <a:t>xx%</a:t>
+            </a:r>
+          </a:p>
+        </p:txBody>
+      </p:sp>
+      <p:sp>
+        <p:nvSpPr>
+          <p:cNvPr id="46" name="Google Shape;46;p11"/>
+          <p:cNvSpPr txBox="1">
+            <a:spLocks noGrp="1"/>
+          </p:cNvSpPr>
+          <p:nvPr>
+            <p:ph type="body" idx="1"/>
+          </p:nvPr>
+        </p:nvSpPr>
+        <p:spPr>
+          <a:xfrm>
+            <a:off x="311700" y="3362374"/>
+            <a:ext cx="8521000" cy="1387350"/>
+          </a:xfrm>
+          <a:prstGeom prst="rect">
+            <a:avLst/>
+          </a:prstGeom>
+        </p:spPr>
+        <p:txBody>
+          <a:bodyPr spcFirstLastPara="1" wrap="square" lIns="34550" tIns="34550" rIns="34550" bIns="34550" anchor="t" anchorCtr="0">
+            <a:normAutofit/>
+          </a:bodyPr>
+          <a:lstStyle>
+            <a:lvl1pPr marL="685834" lvl="0" indent="-409596" algn="ctr">
+              <a:spcBef>
+                <a:spcPts val="0"/>
+              </a:spcBef>
+              <a:spcAft>
+                <a:spcPts val="0"/>
+              </a:spcAft>
+              <a:buSzPts val="700"/>
+              <a:buChar char="●"/>
+              <a:defRPr/>
+            </a:lvl1pPr>
+            <a:lvl2pPr marL="1371669" lvl="1" indent="-390545" algn="ctr">
+              <a:spcBef>
+                <a:spcPts val="0"/>
+              </a:spcBef>
+              <a:spcAft>
+                <a:spcPts val="0"/>
+              </a:spcAft>
+              <a:buSzPts val="500"/>
+              <a:buChar char="○"/>
+              <a:defRPr/>
+            </a:lvl2pPr>
+            <a:lvl3pPr marL="2057503" lvl="2" indent="-390545" algn="ctr">
+              <a:spcBef>
+                <a:spcPts val="0"/>
+              </a:spcBef>
+              <a:spcAft>
+                <a:spcPts val="0"/>
+              </a:spcAft>
+              <a:buSzPts val="500"/>
+              <a:buChar char="■"/>
+              <a:defRPr/>
+            </a:lvl3pPr>
+            <a:lvl4pPr marL="2743337" lvl="3" indent="-390545" algn="ctr">
+              <a:spcBef>
+                <a:spcPts val="0"/>
+              </a:spcBef>
+              <a:spcAft>
+                <a:spcPts val="0"/>
+              </a:spcAft>
+              <a:buSzPts val="500"/>
+              <a:buChar char="●"/>
+              <a:defRPr/>
+            </a:lvl4pPr>
+            <a:lvl5pPr marL="3429171" lvl="4" indent="-390545" algn="ctr">
+              <a:spcBef>
+                <a:spcPts val="0"/>
+              </a:spcBef>
+              <a:spcAft>
+                <a:spcPts val="0"/>
+              </a:spcAft>
+              <a:buSzPts val="500"/>
+              <a:buChar char="○"/>
+              <a:defRPr/>
+            </a:lvl5pPr>
+            <a:lvl6pPr marL="4115006" lvl="5" indent="-390545" algn="ctr">
+              <a:spcBef>
+                <a:spcPts val="0"/>
+              </a:spcBef>
+              <a:spcAft>
+                <a:spcPts val="0"/>
+              </a:spcAft>
+              <a:buSzPts val="500"/>
+              <a:buChar char="■"/>
+              <a:defRPr/>
+            </a:lvl6pPr>
+            <a:lvl7pPr marL="4800840" lvl="6" indent="-390545" algn="ctr">
+              <a:spcBef>
+                <a:spcPts val="0"/>
+              </a:spcBef>
+              <a:spcAft>
+                <a:spcPts val="0"/>
+              </a:spcAft>
+              <a:buSzPts val="500"/>
+              <a:buChar char="●"/>
+              <a:defRPr/>
+            </a:lvl7pPr>
+            <a:lvl8pPr marL="5486674" lvl="7" indent="-390545" algn="ctr">
+              <a:spcBef>
+                <a:spcPts val="0"/>
+              </a:spcBef>
+              <a:spcAft>
+                <a:spcPts val="0"/>
+              </a:spcAft>
+              <a:buSzPts val="500"/>
+              <a:buChar char="○"/>
+              <a:defRPr/>
+            </a:lvl8pPr>
+            <a:lvl9pPr marL="6172509" lvl="8" indent="-390545" algn="ctr">
+              <a:spcBef>
+                <a:spcPts val="0"/>
+              </a:spcBef>
+              <a:spcAft>
+                <a:spcPts val="0"/>
+              </a:spcAft>
+              <a:buSzPts val="500"/>
+              <a:buChar char="■"/>
+              <a:defRPr/>
+            </a:lvl9pPr>
+          </a:lstStyle>
+          <a:p>
+            <a:endParaRPr/>
+          </a:p>
+        </p:txBody>
+      </p:sp>
+      <p:sp>
+        <p:nvSpPr>
+          <p:cNvPr id="47" name="Google Shape;47;p11"/>
           <p:cNvSpPr txBox="1">
             <a:spLocks noGrp="1"/>
           </p:cNvSpPr>
@@ -4755,16 +4529,15 @@
   <p:clrMap bg1="lt1" tx1="dk1" bg2="dk2" tx2="lt2" accent1="accent1" accent2="accent2" accent3="accent3" accent4="accent4" accent5="accent5" accent6="accent6" hlink="hlink" folHlink="folHlink"/>
   <p:sldLayoutIdLst>
     <p:sldLayoutId id="2147483648" r:id="rId1"/>
-    <p:sldLayoutId id="2147483649" r:id="rId2"/>
-    <p:sldLayoutId id="2147483650" r:id="rId3"/>
-    <p:sldLayoutId id="2147483651" r:id="rId4"/>
-    <p:sldLayoutId id="2147483652" r:id="rId5"/>
-    <p:sldLayoutId id="2147483653" r:id="rId6"/>
-    <p:sldLayoutId id="2147483654" r:id="rId7"/>
-    <p:sldLayoutId id="2147483655" r:id="rId8"/>
-    <p:sldLayoutId id="2147483656" r:id="rId9"/>
-    <p:sldLayoutId id="2147483657" r:id="rId10"/>
-    <p:sldLayoutId id="2147483658" r:id="rId11"/>
+    <p:sldLayoutId id="2147483650" r:id="rId2"/>
+    <p:sldLayoutId id="2147483651" r:id="rId3"/>
+    <p:sldLayoutId id="2147483652" r:id="rId4"/>
+    <p:sldLayoutId id="2147483653" r:id="rId5"/>
+    <p:sldLayoutId id="2147483654" r:id="rId6"/>
+    <p:sldLayoutId id="2147483655" r:id="rId7"/>
+    <p:sldLayoutId id="2147483656" r:id="rId8"/>
+    <p:sldLayoutId id="2147483657" r:id="rId9"/>
+    <p:sldLayoutId id="2147483658" r:id="rId10"/>
   </p:sldLayoutIdLst>
   <p:hf sldNum="0" hdr="0" ftr="0" dt="0"/>
   <p:txStyles>
@@ -6211,7 +5984,7 @@
             <a:lstStyle/>
             <a:p>
               <a:r>
-                <a:rPr lang="en-US" sz="1500" b="1" dirty="0">
+                <a:rPr lang="en-US" sz="1400" b="1" dirty="0">
                   <a:solidFill>
                     <a:srgbClr val="BF5700"/>
                   </a:solidFill>
@@ -6223,7 +5996,7 @@
                 <a:t>Approach: Situated-</a:t>
               </a:r>
               <a:r>
-                <a:rPr lang="en-US" sz="1500" b="1" dirty="0" err="1">
+                <a:rPr lang="en-US" sz="1400" b="1" dirty="0" err="1">
                   <a:solidFill>
                     <a:srgbClr val="BF5700"/>
                   </a:solidFill>
@@ -6235,7 +6008,7 @@
                 <a:t>PRInciples</a:t>
               </a:r>
               <a:r>
-                <a:rPr lang="en-US" sz="1500" b="1" dirty="0">
+                <a:rPr lang="en-US" sz="1400" b="1" dirty="0">
                   <a:solidFill>
                     <a:srgbClr val="BF5700"/>
                   </a:solidFill>
@@ -6247,7 +6020,7 @@
                 <a:t> (</a:t>
               </a:r>
               <a:r>
-                <a:rPr lang="en-US" sz="1500" b="1" i="1" dirty="0">
+                <a:rPr lang="en-US" sz="1400" b="1" i="1" dirty="0">
                   <a:solidFill>
                     <a:srgbClr val="BF5700"/>
                   </a:solidFill>
@@ -6259,7 +6032,7 @@
                 <a:t>SPRI</a:t>
               </a:r>
               <a:r>
-                <a:rPr lang="en-US" sz="1500" b="1" dirty="0">
+                <a:rPr lang="en-US" sz="1400" b="1" dirty="0">
                   <a:solidFill>
                     <a:srgbClr val="BF5700"/>
                   </a:solidFill>
@@ -6364,12 +6137,12 @@
           </a:lstStyle>
           <a:p>
             <a:r>
-              <a:rPr lang="en" sz="1500" dirty="0">
+              <a:rPr lang="en" sz="1400" dirty="0">
                 <a:sym typeface="Source Sans Pro"/>
               </a:rPr>
               <a:t>Experiments &amp; Results</a:t>
             </a:r>
-            <a:endParaRPr sz="1500" dirty="0">
+            <a:endParaRPr sz="1400" dirty="0">
               <a:sym typeface="Source Sans Pro"/>
             </a:endParaRPr>
           </a:p>
@@ -6429,12 +6202,12 @@
           </a:lstStyle>
           <a:p>
             <a:r>
-              <a:rPr lang="en" sz="1500" dirty="0">
+              <a:rPr lang="en" sz="1400" dirty="0">
                 <a:sym typeface="Source Sans Pro"/>
               </a:rPr>
               <a:t>Conclusion</a:t>
             </a:r>
-            <a:endParaRPr sz="1500" dirty="0">
+            <a:endParaRPr sz="1400" dirty="0">
               <a:sym typeface="Source Sans Pro"/>
             </a:endParaRPr>
           </a:p>
@@ -6647,7 +6420,7 @@
             <a:lstStyle/>
             <a:p>
               <a:r>
-                <a:rPr lang="en" sz="1500" b="1" dirty="0">
+                <a:rPr lang="en" sz="1400" b="1" dirty="0">
                   <a:solidFill>
                     <a:srgbClr val="BF5700"/>
                   </a:solidFill>
@@ -6658,7 +6431,7 @@
                 </a:rPr>
                 <a:t>Motivation</a:t>
               </a:r>
-              <a:endParaRPr sz="1500" b="1" dirty="0">
+              <a:endParaRPr sz="1400" b="1" dirty="0">
                 <a:solidFill>
                   <a:srgbClr val="BF5700"/>
                 </a:solidFill>
@@ -7057,7 +6830,7 @@
         </p:nvCxnSpPr>
         <p:spPr>
           <a:xfrm>
-            <a:off x="2201539" y="3485072"/>
+            <a:off x="4133141" y="3567297"/>
             <a:ext cx="0" cy="1897870"/>
           </a:xfrm>
           <a:prstGeom prst="straightConnector1">
@@ -7123,8 +6896,8 @@
         </p:nvSpPr>
         <p:spPr>
           <a:xfrm>
-            <a:off x="99134" y="3640766"/>
-            <a:ext cx="2014323" cy="224292"/>
+            <a:off x="73984" y="3659714"/>
+            <a:ext cx="1503304" cy="199542"/>
           </a:xfrm>
           <a:prstGeom prst="rect">
             <a:avLst/>
@@ -7137,13 +6910,13 @@
           </a:bodyPr>
           <a:lstStyle/>
           <a:p>
-            <a:pPr algn="ctr">
+            <a:pPr>
               <a:lnSpc>
                 <a:spcPct val="114000"/>
               </a:lnSpc>
             </a:pPr>
             <a:r>
-              <a:rPr lang="en-US" sz="800" b="1" dirty="0">
+              <a:rPr lang="en-US" sz="650" b="1" dirty="0">
                 <a:solidFill>
                   <a:srgbClr val="C00000"/>
                 </a:solidFill>
@@ -7171,8 +6944,8 @@
         </p:nvSpPr>
         <p:spPr>
           <a:xfrm>
-            <a:off x="2270914" y="3381363"/>
-            <a:ext cx="2584061" cy="224292"/>
+            <a:off x="3225503" y="3469040"/>
+            <a:ext cx="2584061" cy="199542"/>
           </a:xfrm>
           <a:prstGeom prst="rect">
             <a:avLst/>
@@ -7185,13 +6958,13 @@
           </a:bodyPr>
           <a:lstStyle/>
           <a:p>
-            <a:pPr algn="ctr">
+            <a:pPr>
               <a:lnSpc>
                 <a:spcPct val="114000"/>
               </a:lnSpc>
             </a:pPr>
             <a:r>
-              <a:rPr lang="en-US" sz="800" b="1" dirty="0">
+              <a:rPr lang="en-US" sz="650" b="1" dirty="0">
                 <a:solidFill>
                   <a:srgbClr val="C00000"/>
                 </a:solidFill>
@@ -7219,8 +6992,8 @@
         </p:nvSpPr>
         <p:spPr>
           <a:xfrm>
-            <a:off x="4962827" y="3383819"/>
-            <a:ext cx="1990918" cy="224292"/>
+            <a:off x="712517" y="4769775"/>
+            <a:ext cx="2168252" cy="199542"/>
           </a:xfrm>
           <a:prstGeom prst="rect">
             <a:avLst/>
@@ -7233,13 +7006,13 @@
           </a:bodyPr>
           <a:lstStyle/>
           <a:p>
-            <a:pPr algn="ctr">
+            <a:pPr>
               <a:lnSpc>
                 <a:spcPct val="114000"/>
               </a:lnSpc>
             </a:pPr>
             <a:r>
-              <a:rPr lang="en-US" sz="800" b="1" dirty="0">
+              <a:rPr lang="en-US" sz="650" b="1" dirty="0">
                 <a:solidFill>
                   <a:srgbClr val="C00000"/>
                 </a:solidFill>
@@ -7251,7 +7024,7 @@
               <a:t>Task </a:t>
             </a:r>
             <a:r>
-              <a:rPr lang="en-US" altLang="zh-CN" sz="800" b="1" dirty="0">
+              <a:rPr lang="en-US" altLang="zh-CN" sz="650" b="1" dirty="0">
                 <a:solidFill>
                   <a:srgbClr val="C00000"/>
                 </a:solidFill>
@@ -7263,7 +7036,7 @@
               <a:t>3</a:t>
             </a:r>
             <a:r>
-              <a:rPr lang="en-US" sz="800" b="1" dirty="0">
+              <a:rPr lang="en-US" sz="650" b="1" dirty="0">
                 <a:solidFill>
                   <a:srgbClr val="C00000"/>
                 </a:solidFill>
@@ -7272,361 +7045,105 @@
                 <a:cs typeface="Source Sans Pro"/>
                 <a:sym typeface="Source Sans Pro"/>
               </a:rPr>
-              <a:t>: Synthetic Data for SFT</a:t>
+              <a:t>: Generating Synthetic Alignment Data for SFT</a:t>
             </a:r>
-          </a:p>
-        </p:txBody>
-      </p:sp>
-    </p:spTree>
-  </p:cSld>
-  <p:clrMapOvr>
-    <a:masterClrMapping/>
-  </p:clrMapOvr>
-</p:sld>
-</file>
-
-<file path=ppt/slides/slide2.xml><?xml version="1.0" encoding="utf-8"?>
-<p:sld xmlns:a="http://schemas.openxmlformats.org/drawingml/2006/main" xmlns:r="http://schemas.openxmlformats.org/officeDocument/2006/relationships" xmlns:p="http://schemas.openxmlformats.org/presentationml/2006/main">
-  <p:cSld>
-    <p:spTree>
-      <p:nvGrpSpPr>
-        <p:cNvPr id="1" name=""/>
-        <p:cNvGrpSpPr/>
-        <p:nvPr/>
-      </p:nvGrpSpPr>
-      <p:grpSpPr>
-        <a:xfrm>
-          <a:off x="0" y="0"/>
-          <a:ext cx="0" cy="0"/>
-          <a:chOff x="0" y="0"/>
-          <a:chExt cx="0" cy="0"/>
-        </a:xfrm>
-      </p:grpSpPr>
-      <p:sp>
-        <p:nvSpPr>
-          <p:cNvPr id="3" name="Google Shape;54;p13">
-            <a:extLst>
-              <a:ext uri="{FF2B5EF4-FFF2-40B4-BE49-F238E27FC236}">
-                <a16:creationId xmlns:a16="http://schemas.microsoft.com/office/drawing/2014/main" id="{470B9CFC-37BA-35EC-C76A-D5B5FF2179F8}"/>
-              </a:ext>
-            </a:extLst>
-          </p:cNvPr>
-          <p:cNvSpPr/>
-          <p:nvPr/>
-        </p:nvSpPr>
-        <p:spPr>
-          <a:xfrm>
-            <a:off x="3458205" y="1940760"/>
-            <a:ext cx="1951200" cy="2908350"/>
-          </a:xfrm>
-          <a:prstGeom prst="roundRect">
-            <a:avLst>
-              <a:gd name="adj" fmla="val 2773"/>
-            </a:avLst>
-          </a:prstGeom>
-          <a:solidFill>
-            <a:srgbClr val="F3F3F3"/>
-          </a:solidFill>
-          <a:ln>
-            <a:noFill/>
-          </a:ln>
-        </p:spPr>
-        <p:txBody>
-          <a:bodyPr spcFirstLastPara="1" wrap="square" lIns="14737" tIns="14737" rIns="14737" bIns="14737" anchor="ctr" anchorCtr="0">
-            <a:noAutofit/>
-          </a:bodyPr>
-          <a:lstStyle/>
-          <a:p>
-            <a:pPr algn="ctr"/>
-            <a:endParaRPr sz="300"/>
-          </a:p>
-        </p:txBody>
-      </p:sp>
-      <p:sp>
-        <p:nvSpPr>
-          <p:cNvPr id="4" name="Google Shape;64;p13">
-            <a:extLst>
-              <a:ext uri="{FF2B5EF4-FFF2-40B4-BE49-F238E27FC236}">
-                <a16:creationId xmlns:a16="http://schemas.microsoft.com/office/drawing/2014/main" id="{8890D6DD-7EB1-C115-6092-936A784D7587}"/>
-              </a:ext>
-            </a:extLst>
-          </p:cNvPr>
-          <p:cNvSpPr txBox="1"/>
-          <p:nvPr/>
-        </p:nvSpPr>
-        <p:spPr>
-          <a:xfrm>
-            <a:off x="3540523" y="1976399"/>
-            <a:ext cx="1748700" cy="302850"/>
-          </a:xfrm>
-          <a:prstGeom prst="rect">
-            <a:avLst/>
-          </a:prstGeom>
-          <a:noFill/>
-          <a:ln>
-            <a:noFill/>
-          </a:ln>
-        </p:spPr>
-        <p:txBody>
-          <a:bodyPr spcFirstLastPara="1" wrap="square" lIns="14737" tIns="14737" rIns="14737" bIns="14737" anchor="t" anchorCtr="0">
-            <a:noAutofit/>
-          </a:bodyPr>
-          <a:lstStyle/>
-          <a:p>
-            <a:r>
-              <a:rPr lang="en" sz="1200" b="1" dirty="0">
-                <a:solidFill>
-                  <a:srgbClr val="BF5700"/>
-                </a:solidFill>
-                <a:latin typeface="Source Sans Pro"/>
-                <a:ea typeface="Source Sans Pro"/>
-                <a:cs typeface="Source Sans Pro"/>
-                <a:sym typeface="Source Sans Pro"/>
-              </a:rPr>
-              <a:t>Results &amp; Conclusion</a:t>
-            </a:r>
-            <a:endParaRPr sz="1200" b="1" dirty="0">
-              <a:solidFill>
-                <a:srgbClr val="BF5700"/>
-              </a:solidFill>
-              <a:latin typeface="Source Sans Pro"/>
-              <a:ea typeface="Source Sans Pro"/>
-              <a:cs typeface="Source Sans Pro"/>
-              <a:sym typeface="Source Sans Pro"/>
-            </a:endParaRPr>
-          </a:p>
-        </p:txBody>
-      </p:sp>
-      <p:sp>
-        <p:nvSpPr>
-          <p:cNvPr id="5" name="Google Shape;65;p13">
-            <a:extLst>
-              <a:ext uri="{FF2B5EF4-FFF2-40B4-BE49-F238E27FC236}">
-                <a16:creationId xmlns:a16="http://schemas.microsoft.com/office/drawing/2014/main" id="{5CC24EE2-F196-4B4F-CF52-C780D3C0C8D5}"/>
-              </a:ext>
-            </a:extLst>
-          </p:cNvPr>
-          <p:cNvSpPr txBox="1"/>
-          <p:nvPr/>
-        </p:nvSpPr>
-        <p:spPr>
-          <a:xfrm>
-            <a:off x="3496643" y="2848636"/>
-            <a:ext cx="1900800" cy="399094"/>
-          </a:xfrm>
-          <a:prstGeom prst="rect">
-            <a:avLst/>
-          </a:prstGeom>
-          <a:noFill/>
-          <a:ln>
-            <a:noFill/>
-          </a:ln>
-        </p:spPr>
-        <p:txBody>
-          <a:bodyPr spcFirstLastPara="1" wrap="square" lIns="14737" tIns="14737" rIns="14737" bIns="14737" anchor="t" anchorCtr="0">
-            <a:spAutoFit/>
-          </a:bodyPr>
-          <a:lstStyle/>
-          <a:p>
-            <a:pPr marL="76204" indent="-66679">
-              <a:buClr>
-                <a:srgbClr val="595959"/>
-              </a:buClr>
-              <a:buSzPts val="300"/>
-              <a:buFont typeface="Source Sans Pro"/>
-              <a:buChar char="●"/>
-            </a:pPr>
-            <a:r>
-              <a:rPr lang="en" sz="600" dirty="0">
-                <a:solidFill>
-                  <a:srgbClr val="595959"/>
-                </a:solidFill>
-                <a:latin typeface="Source Sans Pro"/>
-                <a:ea typeface="Source Sans Pro"/>
-                <a:cs typeface="Source Sans Pro"/>
-                <a:sym typeface="Source Sans Pro"/>
-              </a:rPr>
-              <a:t>Evaluation done by psychologists suggest that responses from our system are</a:t>
-            </a:r>
-            <a:endParaRPr sz="600" dirty="0">
-              <a:solidFill>
-                <a:srgbClr val="595959"/>
-              </a:solidFill>
-              <a:latin typeface="Source Sans Pro"/>
-              <a:ea typeface="Source Sans Pro"/>
-              <a:cs typeface="Source Sans Pro"/>
-              <a:sym typeface="Source Sans Pro"/>
-            </a:endParaRPr>
-          </a:p>
-          <a:p>
-            <a:pPr marL="76204"/>
-            <a:r>
-              <a:rPr lang="en" sz="600" dirty="0">
-                <a:solidFill>
-                  <a:srgbClr val="595959"/>
-                </a:solidFill>
-                <a:latin typeface="Source Sans Pro"/>
-                <a:ea typeface="Source Sans Pro"/>
-                <a:cs typeface="Source Sans Pro"/>
-                <a:sym typeface="Source Sans Pro"/>
-              </a:rPr>
-              <a:t>(</a:t>
-            </a:r>
-            <a:r>
-              <a:rPr lang="en" sz="600" dirty="0" err="1">
-                <a:solidFill>
-                  <a:srgbClr val="595959"/>
-                </a:solidFill>
-                <a:latin typeface="Source Sans Pro"/>
-                <a:ea typeface="Source Sans Pro"/>
-                <a:cs typeface="Source Sans Pro"/>
-                <a:sym typeface="Source Sans Pro"/>
-              </a:rPr>
-              <a:t>i</a:t>
-            </a:r>
-            <a:r>
-              <a:rPr lang="en" sz="600" dirty="0">
-                <a:solidFill>
-                  <a:srgbClr val="595959"/>
-                </a:solidFill>
-                <a:latin typeface="Source Sans Pro"/>
-                <a:ea typeface="Source Sans Pro"/>
-                <a:cs typeface="Source Sans Pro"/>
-                <a:sym typeface="Source Sans Pro"/>
-              </a:rPr>
-              <a:t>) aligned (with appraisal definitions) and</a:t>
-            </a:r>
-            <a:endParaRPr sz="600" dirty="0">
-              <a:solidFill>
-                <a:srgbClr val="595959"/>
-              </a:solidFill>
-              <a:latin typeface="Source Sans Pro"/>
-              <a:ea typeface="Source Sans Pro"/>
-              <a:cs typeface="Source Sans Pro"/>
-              <a:sym typeface="Source Sans Pro"/>
-            </a:endParaRPr>
-          </a:p>
-          <a:p>
-            <a:pPr marL="76204"/>
-            <a:r>
-              <a:rPr lang="en" sz="600" dirty="0">
-                <a:solidFill>
-                  <a:srgbClr val="595959"/>
-                </a:solidFill>
-                <a:latin typeface="Source Sans Pro"/>
-                <a:ea typeface="Source Sans Pro"/>
-                <a:cs typeface="Source Sans Pro"/>
-                <a:sym typeface="Source Sans Pro"/>
-              </a:rPr>
-              <a:t>(ii) empathic, compared to various baselines</a:t>
-            </a:r>
-            <a:endParaRPr sz="600" dirty="0">
-              <a:solidFill>
-                <a:srgbClr val="595959"/>
-              </a:solidFill>
-              <a:latin typeface="Source Sans Pro"/>
-              <a:ea typeface="Source Sans Pro"/>
-              <a:cs typeface="Source Sans Pro"/>
-              <a:sym typeface="Source Sans Pro"/>
-            </a:endParaRPr>
-          </a:p>
-        </p:txBody>
-      </p:sp>
-      <p:sp>
-        <p:nvSpPr>
-          <p:cNvPr id="6" name="Google Shape;71;p13">
-            <a:extLst>
-              <a:ext uri="{FF2B5EF4-FFF2-40B4-BE49-F238E27FC236}">
-                <a16:creationId xmlns:a16="http://schemas.microsoft.com/office/drawing/2014/main" id="{0AD9D77B-BD9C-F599-C19C-722254156E7D}"/>
-              </a:ext>
-            </a:extLst>
-          </p:cNvPr>
-          <p:cNvSpPr txBox="1"/>
-          <p:nvPr/>
-        </p:nvSpPr>
-        <p:spPr>
-          <a:xfrm>
-            <a:off x="3702762" y="4523062"/>
-            <a:ext cx="1630350" cy="399094"/>
-          </a:xfrm>
-          <a:prstGeom prst="rect">
-            <a:avLst/>
-          </a:prstGeom>
-          <a:noFill/>
-          <a:ln>
-            <a:noFill/>
-          </a:ln>
-        </p:spPr>
-        <p:txBody>
-          <a:bodyPr spcFirstLastPara="1" wrap="square" lIns="14737" tIns="14737" rIns="14737" bIns="14737" anchor="t" anchorCtr="0">
-            <a:spAutoFit/>
-          </a:bodyPr>
-          <a:lstStyle/>
-          <a:p>
-            <a:r>
-              <a:rPr lang="en-US" sz="600" dirty="0">
-                <a:solidFill>
-                  <a:srgbClr val="595959"/>
-                </a:solidFill>
-                <a:latin typeface="Source Sans Pro"/>
-                <a:ea typeface="Source Sans Pro"/>
-                <a:cs typeface="Source Sans Pro"/>
-                <a:sym typeface="Source Sans Pro"/>
-              </a:rPr>
-              <a:t>SPRI not only matches expert-level performance in highly specialized tasks but also enhances alignment with human judgment and improves synthetic data generation for model fine-tuning</a:t>
-            </a:r>
-            <a:endParaRPr sz="600" dirty="0">
-              <a:solidFill>
-                <a:srgbClr val="595959"/>
-              </a:solidFill>
-              <a:latin typeface="Source Sans Pro"/>
-              <a:ea typeface="Source Sans Pro"/>
-              <a:cs typeface="Source Sans Pro"/>
-              <a:sym typeface="Source Sans Pro"/>
-            </a:endParaRPr>
           </a:p>
         </p:txBody>
       </p:sp>
       <p:pic>
         <p:nvPicPr>
-          <p:cNvPr id="7" name="Google Shape;72;p13">
+          <p:cNvPr id="11" name="Picture 10">
             <a:extLst>
               <a:ext uri="{FF2B5EF4-FFF2-40B4-BE49-F238E27FC236}">
-                <a16:creationId xmlns:a16="http://schemas.microsoft.com/office/drawing/2014/main" id="{AE5F474E-23A6-CE63-265D-7B4C33ECE1BD}"/>
+                <a16:creationId xmlns:a16="http://schemas.microsoft.com/office/drawing/2014/main" id="{2B93F245-3231-D982-6F39-8FC12F556620}"/>
               </a:ext>
             </a:extLst>
           </p:cNvPr>
-          <p:cNvPicPr preferRelativeResize="0"/>
+          <p:cNvPicPr>
+            <a:picLocks noChangeAspect="1"/>
+          </p:cNvPicPr>
           <p:nvPr/>
         </p:nvPicPr>
         <p:blipFill>
-          <a:blip r:embed="rId2">
-            <a:alphaModFix/>
-          </a:blip>
+          <a:blip r:embed="rId15"/>
+          <a:srcRect l="8333" t="29840" r="51676" b="47728"/>
           <a:stretch>
             <a:fillRect/>
           </a:stretch>
         </p:blipFill>
         <p:spPr>
           <a:xfrm>
-            <a:off x="3496625" y="4573631"/>
-            <a:ext cx="205740" cy="205740"/>
+            <a:off x="5225319" y="3860233"/>
+            <a:ext cx="1695450" cy="1230695"/>
           </a:xfrm>
           <a:prstGeom prst="rect">
             <a:avLst/>
           </a:prstGeom>
-          <a:noFill/>
-          <a:ln>
-            <a:noFill/>
-          </a:ln>
+        </p:spPr>
+      </p:pic>
+      <p:pic>
+        <p:nvPicPr>
+          <p:cNvPr id="12" name="Picture 11">
+            <a:extLst>
+              <a:ext uri="{FF2B5EF4-FFF2-40B4-BE49-F238E27FC236}">
+                <a16:creationId xmlns:a16="http://schemas.microsoft.com/office/drawing/2014/main" id="{52B4E8A5-2128-5C97-13BF-83DB7AF740E7}"/>
+              </a:ext>
+            </a:extLst>
+          </p:cNvPr>
+          <p:cNvPicPr>
+            <a:picLocks noChangeAspect="1"/>
+          </p:cNvPicPr>
+          <p:nvPr/>
+        </p:nvPicPr>
+        <p:blipFill>
+          <a:blip r:embed="rId16"/>
+          <a:srcRect l="8960" t="9183" r="11169" b="74499"/>
+          <a:stretch>
+            <a:fillRect/>
+          </a:stretch>
+        </p:blipFill>
+        <p:spPr>
+          <a:xfrm>
+            <a:off x="2875460" y="4325395"/>
+            <a:ext cx="4128091" cy="1091430"/>
+          </a:xfrm>
+          <a:prstGeom prst="rect">
+            <a:avLst/>
+          </a:prstGeom>
+        </p:spPr>
+      </p:pic>
+      <p:pic>
+        <p:nvPicPr>
+          <p:cNvPr id="16" name="Picture 15">
+            <a:extLst>
+              <a:ext uri="{FF2B5EF4-FFF2-40B4-BE49-F238E27FC236}">
+                <a16:creationId xmlns:a16="http://schemas.microsoft.com/office/drawing/2014/main" id="{23691905-3ECA-8EBF-4414-EEE96EF832A7}"/>
+              </a:ext>
+            </a:extLst>
+          </p:cNvPr>
+          <p:cNvPicPr>
+            <a:picLocks noChangeAspect="1"/>
+          </p:cNvPicPr>
+          <p:nvPr/>
+        </p:nvPicPr>
+        <p:blipFill>
+          <a:blip r:embed="rId15"/>
+          <a:srcRect l="8743" t="9458" r="10910" b="72799"/>
+          <a:stretch>
+            <a:fillRect/>
+          </a:stretch>
+        </p:blipFill>
+        <p:spPr>
+          <a:xfrm>
+            <a:off x="103220" y="3859256"/>
+            <a:ext cx="3406293" cy="973481"/>
+          </a:xfrm>
+          <a:prstGeom prst="rect">
+            <a:avLst/>
+          </a:prstGeom>
         </p:spPr>
       </p:pic>
     </p:spTree>
-    <p:extLst>
-      <p:ext uri="{BB962C8B-B14F-4D97-AF65-F5344CB8AC3E}">
-        <p14:creationId xmlns:p14="http://schemas.microsoft.com/office/powerpoint/2010/main" val="576523335"/>
-      </p:ext>
-    </p:extLst>
   </p:cSld>
   <p:clrMapOvr>
     <a:masterClrMapping/>
